--- a/3주차/3주차 - GDB and SQLite DEBUG.pptx
+++ b/3주차/3주차 - GDB and SQLite DEBUG.pptx
@@ -16092,7 +16092,9 @@
         </p:nvSpPr>
         <p:spPr/>
         <p:txBody>
-          <a:bodyPr/>
+          <a:bodyPr>
+            <a:normAutofit fontScale="92500" lnSpcReduction="10000"/>
+          </a:bodyPr>
           <a:lstStyle/>
           <a:p>
             <a:r>
@@ -16163,7 +16165,7 @@
               <a:t>1000</a:t>
             </a:r>
             <a:r>
-              <a:rPr lang="ko-KR" altLang="en-US" smtClean="0"/>
+              <a:rPr lang="ko-KR" altLang="en-US" dirty="0" smtClean="0"/>
               <a:t>인 경우 모두수행</a:t>
             </a:r>
             <a:endParaRPr lang="en-US" altLang="ko-KR" dirty="0" smtClean="0"/>
@@ -16189,7 +16191,52 @@
             <a:endParaRPr lang="en-US" altLang="ko-KR" dirty="0" smtClean="0"/>
           </a:p>
           <a:p>
+            <a:r>
+              <a:rPr lang="en-US" altLang="ko-KR" dirty="0" smtClean="0"/>
+              <a:t>Evaluation</a:t>
+            </a:r>
+            <a:r>
+              <a:rPr lang="ko-KR" altLang="en-US" dirty="0" smtClean="0"/>
+              <a:t>과 동일한 데이터베이스로 수행</a:t>
+            </a:r>
+            <a:endParaRPr lang="en-US" altLang="ko-KR" dirty="0" smtClean="0"/>
+          </a:p>
+          <a:p>
+            <a:r>
+              <a:rPr lang="ko-KR" altLang="en-US" dirty="0" smtClean="0"/>
+              <a:t>과제 준비물 사이트</a:t>
+            </a:r>
+            <a:endParaRPr lang="en-US" altLang="ko-KR" dirty="0" smtClean="0"/>
+          </a:p>
+          <a:p>
             <a:pPr lvl="1"/>
+            <a:r>
+              <a:rPr lang="en-US" altLang="ko-KR" dirty="0">
+                <a:hlinkClick r:id="rId2"/>
+              </a:rPr>
+              <a:t>https://</a:t>
+            </a:r>
+            <a:r>
+              <a:rPr lang="en-US" altLang="ko-KR" dirty="0" smtClean="0">
+                <a:hlinkClick r:id="rId2"/>
+              </a:rPr>
+              <a:t>github.com/wurikiji/2016-db-programming-fall/tree/master/3%EC%A3%BC%EC%B0%A8%20%EA%B3%BC%EC%A0%9C</a:t>
+            </a:r>
+            <a:r>
+              <a:rPr lang="en-US" altLang="ko-KR" dirty="0" smtClean="0"/>
+              <a:t> </a:t>
+            </a:r>
+          </a:p>
+          <a:p>
+            <a:pPr lvl="1"/>
+            <a:r>
+              <a:rPr lang="en-US" altLang="ko-KR" dirty="0" smtClean="0"/>
+              <a:t>README.md</a:t>
+            </a:r>
+            <a:r>
+              <a:rPr lang="ko-KR" altLang="en-US" dirty="0" smtClean="0"/>
+              <a:t>의 과제 수행방법 참조</a:t>
+            </a:r>
             <a:endParaRPr lang="ko-KR" altLang="en-US" dirty="0"/>
           </a:p>
         </p:txBody>
